--- a/NET Framework Advanced.pptx
+++ b/NET Framework Advanced.pptx
@@ -5,10 +5,10 @@
     <p:sldMasterId id="2147483648" r:id="rId2"/>
   </p:sldMasterIdLst>
   <p:notesMasterIdLst>
-    <p:notesMasterId r:id="rId66"/>
+    <p:notesMasterId r:id="rId69"/>
   </p:notesMasterIdLst>
   <p:handoutMasterIdLst>
-    <p:handoutMasterId r:id="rId67"/>
+    <p:handoutMasterId r:id="rId70"/>
   </p:handoutMasterIdLst>
   <p:sldIdLst>
     <p:sldId id="256" r:id="rId3"/>
@@ -74,6 +74,9 @@
     <p:sldId id="427" r:id="rId63"/>
     <p:sldId id="428" r:id="rId64"/>
     <p:sldId id="429" r:id="rId65"/>
+    <p:sldId id="442" r:id="rId66"/>
+    <p:sldId id="444" r:id="rId67"/>
+    <p:sldId id="446" r:id="rId68"/>
   </p:sldIdLst>
   <p:sldSz cx="9144000" cy="6858000" type="screen4x3"/>
   <p:notesSz cx="6858000" cy="9144000"/>
@@ -276,7 +279,7 @@
           <a:p>
             <a:fld id="{59041DB8-B66F-4DC8-A96E-33677E0F90FF}" type="datetimeFigureOut">
               <a:rPr lang="pl-PL" smtClean="0"/>
-              <a:t>20.11.2019</a:t>
+              <a:t>22.11.2019</a:t>
             </a:fld>
             <a:endParaRPr lang="pl-PL" dirty="0"/>
           </a:p>
@@ -441,7 +444,7 @@
           <a:p>
             <a:fld id="{DEB49C4A-65AC-492D-9701-81B46C3AD0E4}" type="datetimeFigureOut">
               <a:rPr lang="pl-PL" smtClean="0"/>
-              <a:t>20.11.2019</a:t>
+              <a:t>22.11.2019</a:t>
             </a:fld>
             <a:endParaRPr lang="pl-PL" dirty="0"/>
           </a:p>
@@ -706,6 +709,510 @@
     </a:lvl9pPr>
   </p:notesStyle>
 </p:notesMaster>
+</file>
+
+<file path=ppt/notesSlides/notesSlide1.xml><?xml version="1.0" encoding="utf-8"?>
+<p:notes xmlns:a="http://schemas.openxmlformats.org/drawingml/2006/main" xmlns:r="http://schemas.openxmlformats.org/officeDocument/2006/relationships" xmlns:p="http://schemas.openxmlformats.org/presentationml/2006/main">
+  <p:cSld>
+    <p:spTree>
+      <p:nvGrpSpPr>
+        <p:cNvPr id="1" name=""/>
+        <p:cNvGrpSpPr/>
+        <p:nvPr/>
+      </p:nvGrpSpPr>
+      <p:grpSpPr>
+        <a:xfrm>
+          <a:off x="0" y="0"/>
+          <a:ext cx="0" cy="0"/>
+          <a:chOff x="0" y="0"/>
+          <a:chExt cx="0" cy="0"/>
+        </a:xfrm>
+      </p:grpSpPr>
+      <p:sp>
+        <p:nvSpPr>
+          <p:cNvPr id="2" name="Symbol zastępczy obrazu slajdu 1"/>
+          <p:cNvSpPr>
+            <a:spLocks noGrp="1" noRot="1" noChangeAspect="1"/>
+          </p:cNvSpPr>
+          <p:nvPr>
+            <p:ph type="sldImg"/>
+          </p:nvPr>
+        </p:nvSpPr>
+        <p:spPr/>
+      </p:sp>
+      <p:sp>
+        <p:nvSpPr>
+          <p:cNvPr id="3" name="Symbol zastępczy notatek 2"/>
+          <p:cNvSpPr>
+            <a:spLocks noGrp="1"/>
+          </p:cNvSpPr>
+          <p:nvPr>
+            <p:ph type="body" idx="1"/>
+          </p:nvPr>
+        </p:nvSpPr>
+        <p:spPr/>
+        <p:txBody>
+          <a:bodyPr/>
+          <a:lstStyle/>
+          <a:p>
+            <a:endParaRPr lang="pl-PL"/>
+          </a:p>
+        </p:txBody>
+      </p:sp>
+      <p:sp>
+        <p:nvSpPr>
+          <p:cNvPr id="4" name="Symbol zastępczy numeru slajdu 3"/>
+          <p:cNvSpPr>
+            <a:spLocks noGrp="1"/>
+          </p:cNvSpPr>
+          <p:nvPr>
+            <p:ph type="sldNum" sz="quarter" idx="5"/>
+          </p:nvPr>
+        </p:nvSpPr>
+        <p:spPr/>
+        <p:txBody>
+          <a:bodyPr/>
+          <a:lstStyle/>
+          <a:p>
+            <a:fld id="{82869989-EB00-4EE7-BCB5-25BDC5BB29F8}" type="slidenum">
+              <a:rPr lang="pl-PL" smtClean="0"/>
+              <a:t>52</a:t>
+            </a:fld>
+            <a:endParaRPr lang="pl-PL" dirty="0"/>
+          </a:p>
+        </p:txBody>
+      </p:sp>
+    </p:spTree>
+    <p:extLst>
+      <p:ext uri="{BB962C8B-B14F-4D97-AF65-F5344CB8AC3E}">
+        <p14:creationId xmlns:p14="http://schemas.microsoft.com/office/powerpoint/2010/main" val="1907241414"/>
+      </p:ext>
+    </p:extLst>
+  </p:cSld>
+  <p:clrMapOvr>
+    <a:masterClrMapping/>
+  </p:clrMapOvr>
+</p:notes>
+</file>
+
+<file path=ppt/notesSlides/notesSlide2.xml><?xml version="1.0" encoding="utf-8"?>
+<p:notes xmlns:a="http://schemas.openxmlformats.org/drawingml/2006/main" xmlns:r="http://schemas.openxmlformats.org/officeDocument/2006/relationships" xmlns:p="http://schemas.openxmlformats.org/presentationml/2006/main">
+  <p:cSld>
+    <p:spTree>
+      <p:nvGrpSpPr>
+        <p:cNvPr id="1" name=""/>
+        <p:cNvGrpSpPr/>
+        <p:nvPr/>
+      </p:nvGrpSpPr>
+      <p:grpSpPr>
+        <a:xfrm>
+          <a:off x="0" y="0"/>
+          <a:ext cx="0" cy="0"/>
+          <a:chOff x="0" y="0"/>
+          <a:chExt cx="0" cy="0"/>
+        </a:xfrm>
+      </p:grpSpPr>
+      <p:sp>
+        <p:nvSpPr>
+          <p:cNvPr id="2" name="Symbol zastępczy obrazu slajdu 1"/>
+          <p:cNvSpPr>
+            <a:spLocks noGrp="1" noRot="1" noChangeAspect="1"/>
+          </p:cNvSpPr>
+          <p:nvPr>
+            <p:ph type="sldImg"/>
+          </p:nvPr>
+        </p:nvSpPr>
+        <p:spPr/>
+      </p:sp>
+      <p:sp>
+        <p:nvSpPr>
+          <p:cNvPr id="3" name="Symbol zastępczy notatek 2"/>
+          <p:cNvSpPr>
+            <a:spLocks noGrp="1"/>
+          </p:cNvSpPr>
+          <p:nvPr>
+            <p:ph type="body" idx="1"/>
+          </p:nvPr>
+        </p:nvSpPr>
+        <p:spPr/>
+        <p:txBody>
+          <a:bodyPr/>
+          <a:lstStyle/>
+          <a:p>
+            <a:endParaRPr lang="pl-PL"/>
+          </a:p>
+        </p:txBody>
+      </p:sp>
+      <p:sp>
+        <p:nvSpPr>
+          <p:cNvPr id="4" name="Symbol zastępczy numeru slajdu 3"/>
+          <p:cNvSpPr>
+            <a:spLocks noGrp="1"/>
+          </p:cNvSpPr>
+          <p:nvPr>
+            <p:ph type="sldNum" sz="quarter" idx="5"/>
+          </p:nvPr>
+        </p:nvSpPr>
+        <p:spPr/>
+        <p:txBody>
+          <a:bodyPr/>
+          <a:lstStyle/>
+          <a:p>
+            <a:fld id="{82869989-EB00-4EE7-BCB5-25BDC5BB29F8}" type="slidenum">
+              <a:rPr lang="pl-PL" smtClean="0"/>
+              <a:t>53</a:t>
+            </a:fld>
+            <a:endParaRPr lang="pl-PL" dirty="0"/>
+          </a:p>
+        </p:txBody>
+      </p:sp>
+    </p:spTree>
+    <p:extLst>
+      <p:ext uri="{BB962C8B-B14F-4D97-AF65-F5344CB8AC3E}">
+        <p14:creationId xmlns:p14="http://schemas.microsoft.com/office/powerpoint/2010/main" val="3320220605"/>
+      </p:ext>
+    </p:extLst>
+  </p:cSld>
+  <p:clrMapOvr>
+    <a:masterClrMapping/>
+  </p:clrMapOvr>
+</p:notes>
+</file>
+
+<file path=ppt/notesSlides/notesSlide3.xml><?xml version="1.0" encoding="utf-8"?>
+<p:notes xmlns:a="http://schemas.openxmlformats.org/drawingml/2006/main" xmlns:r="http://schemas.openxmlformats.org/officeDocument/2006/relationships" xmlns:p="http://schemas.openxmlformats.org/presentationml/2006/main">
+  <p:cSld>
+    <p:spTree>
+      <p:nvGrpSpPr>
+        <p:cNvPr id="1" name=""/>
+        <p:cNvGrpSpPr/>
+        <p:nvPr/>
+      </p:nvGrpSpPr>
+      <p:grpSpPr>
+        <a:xfrm>
+          <a:off x="0" y="0"/>
+          <a:ext cx="0" cy="0"/>
+          <a:chOff x="0" y="0"/>
+          <a:chExt cx="0" cy="0"/>
+        </a:xfrm>
+      </p:grpSpPr>
+      <p:sp>
+        <p:nvSpPr>
+          <p:cNvPr id="2" name="Symbol zastępczy obrazu slajdu 1"/>
+          <p:cNvSpPr>
+            <a:spLocks noGrp="1" noRot="1" noChangeAspect="1"/>
+          </p:cNvSpPr>
+          <p:nvPr>
+            <p:ph type="sldImg"/>
+          </p:nvPr>
+        </p:nvSpPr>
+        <p:spPr/>
+      </p:sp>
+      <p:sp>
+        <p:nvSpPr>
+          <p:cNvPr id="3" name="Symbol zastępczy notatek 2"/>
+          <p:cNvSpPr>
+            <a:spLocks noGrp="1"/>
+          </p:cNvSpPr>
+          <p:nvPr>
+            <p:ph type="body" idx="1"/>
+          </p:nvPr>
+        </p:nvSpPr>
+        <p:spPr/>
+        <p:txBody>
+          <a:bodyPr/>
+          <a:lstStyle/>
+          <a:p>
+            <a:endParaRPr lang="pl-PL"/>
+          </a:p>
+        </p:txBody>
+      </p:sp>
+      <p:sp>
+        <p:nvSpPr>
+          <p:cNvPr id="4" name="Symbol zastępczy numeru slajdu 3"/>
+          <p:cNvSpPr>
+            <a:spLocks noGrp="1"/>
+          </p:cNvSpPr>
+          <p:nvPr>
+            <p:ph type="sldNum" sz="quarter" idx="5"/>
+          </p:nvPr>
+        </p:nvSpPr>
+        <p:spPr/>
+        <p:txBody>
+          <a:bodyPr/>
+          <a:lstStyle/>
+          <a:p>
+            <a:fld id="{82869989-EB00-4EE7-BCB5-25BDC5BB29F8}" type="slidenum">
+              <a:rPr lang="pl-PL" smtClean="0"/>
+              <a:t>54</a:t>
+            </a:fld>
+            <a:endParaRPr lang="pl-PL" dirty="0"/>
+          </a:p>
+        </p:txBody>
+      </p:sp>
+    </p:spTree>
+    <p:extLst>
+      <p:ext uri="{BB962C8B-B14F-4D97-AF65-F5344CB8AC3E}">
+        <p14:creationId xmlns:p14="http://schemas.microsoft.com/office/powerpoint/2010/main" val="2777675383"/>
+      </p:ext>
+    </p:extLst>
+  </p:cSld>
+  <p:clrMapOvr>
+    <a:masterClrMapping/>
+  </p:clrMapOvr>
+</p:notes>
+</file>
+
+<file path=ppt/notesSlides/notesSlide4.xml><?xml version="1.0" encoding="utf-8"?>
+<p:notes xmlns:a="http://schemas.openxmlformats.org/drawingml/2006/main" xmlns:r="http://schemas.openxmlformats.org/officeDocument/2006/relationships" xmlns:p="http://schemas.openxmlformats.org/presentationml/2006/main">
+  <p:cSld>
+    <p:spTree>
+      <p:nvGrpSpPr>
+        <p:cNvPr id="1" name=""/>
+        <p:cNvGrpSpPr/>
+        <p:nvPr/>
+      </p:nvGrpSpPr>
+      <p:grpSpPr>
+        <a:xfrm>
+          <a:off x="0" y="0"/>
+          <a:ext cx="0" cy="0"/>
+          <a:chOff x="0" y="0"/>
+          <a:chExt cx="0" cy="0"/>
+        </a:xfrm>
+      </p:grpSpPr>
+      <p:sp>
+        <p:nvSpPr>
+          <p:cNvPr id="2" name="Symbol zastępczy obrazu slajdu 1"/>
+          <p:cNvSpPr>
+            <a:spLocks noGrp="1" noRot="1" noChangeAspect="1"/>
+          </p:cNvSpPr>
+          <p:nvPr>
+            <p:ph type="sldImg"/>
+          </p:nvPr>
+        </p:nvSpPr>
+        <p:spPr/>
+      </p:sp>
+      <p:sp>
+        <p:nvSpPr>
+          <p:cNvPr id="3" name="Symbol zastępczy notatek 2"/>
+          <p:cNvSpPr>
+            <a:spLocks noGrp="1"/>
+          </p:cNvSpPr>
+          <p:nvPr>
+            <p:ph type="body" idx="1"/>
+          </p:nvPr>
+        </p:nvSpPr>
+        <p:spPr/>
+        <p:txBody>
+          <a:bodyPr/>
+          <a:lstStyle/>
+          <a:p>
+            <a:endParaRPr lang="pl-PL"/>
+          </a:p>
+        </p:txBody>
+      </p:sp>
+      <p:sp>
+        <p:nvSpPr>
+          <p:cNvPr id="4" name="Symbol zastępczy numeru slajdu 3"/>
+          <p:cNvSpPr>
+            <a:spLocks noGrp="1"/>
+          </p:cNvSpPr>
+          <p:nvPr>
+            <p:ph type="sldNum" sz="quarter" idx="5"/>
+          </p:nvPr>
+        </p:nvSpPr>
+        <p:spPr/>
+        <p:txBody>
+          <a:bodyPr/>
+          <a:lstStyle/>
+          <a:p>
+            <a:fld id="{82869989-EB00-4EE7-BCB5-25BDC5BB29F8}" type="slidenum">
+              <a:rPr lang="pl-PL" smtClean="0"/>
+              <a:t>55</a:t>
+            </a:fld>
+            <a:endParaRPr lang="pl-PL" dirty="0"/>
+          </a:p>
+        </p:txBody>
+      </p:sp>
+    </p:spTree>
+    <p:extLst>
+      <p:ext uri="{BB962C8B-B14F-4D97-AF65-F5344CB8AC3E}">
+        <p14:creationId xmlns:p14="http://schemas.microsoft.com/office/powerpoint/2010/main" val="3714700871"/>
+      </p:ext>
+    </p:extLst>
+  </p:cSld>
+  <p:clrMapOvr>
+    <a:masterClrMapping/>
+  </p:clrMapOvr>
+</p:notes>
+</file>
+
+<file path=ppt/notesSlides/notesSlide5.xml><?xml version="1.0" encoding="utf-8"?>
+<p:notes xmlns:a="http://schemas.openxmlformats.org/drawingml/2006/main" xmlns:r="http://schemas.openxmlformats.org/officeDocument/2006/relationships" xmlns:p="http://schemas.openxmlformats.org/presentationml/2006/main">
+  <p:cSld>
+    <p:spTree>
+      <p:nvGrpSpPr>
+        <p:cNvPr id="1" name=""/>
+        <p:cNvGrpSpPr/>
+        <p:nvPr/>
+      </p:nvGrpSpPr>
+      <p:grpSpPr>
+        <a:xfrm>
+          <a:off x="0" y="0"/>
+          <a:ext cx="0" cy="0"/>
+          <a:chOff x="0" y="0"/>
+          <a:chExt cx="0" cy="0"/>
+        </a:xfrm>
+      </p:grpSpPr>
+      <p:sp>
+        <p:nvSpPr>
+          <p:cNvPr id="2" name="Symbol zastępczy obrazu slajdu 1"/>
+          <p:cNvSpPr>
+            <a:spLocks noGrp="1" noRot="1" noChangeAspect="1"/>
+          </p:cNvSpPr>
+          <p:nvPr>
+            <p:ph type="sldImg"/>
+          </p:nvPr>
+        </p:nvSpPr>
+        <p:spPr/>
+      </p:sp>
+      <p:sp>
+        <p:nvSpPr>
+          <p:cNvPr id="3" name="Symbol zastępczy notatek 2"/>
+          <p:cNvSpPr>
+            <a:spLocks noGrp="1"/>
+          </p:cNvSpPr>
+          <p:nvPr>
+            <p:ph type="body" idx="1"/>
+          </p:nvPr>
+        </p:nvSpPr>
+        <p:spPr/>
+        <p:txBody>
+          <a:bodyPr/>
+          <a:lstStyle/>
+          <a:p>
+            <a:endParaRPr lang="pl-PL"/>
+          </a:p>
+        </p:txBody>
+      </p:sp>
+      <p:sp>
+        <p:nvSpPr>
+          <p:cNvPr id="4" name="Symbol zastępczy numeru slajdu 3"/>
+          <p:cNvSpPr>
+            <a:spLocks noGrp="1"/>
+          </p:cNvSpPr>
+          <p:nvPr>
+            <p:ph type="sldNum" sz="quarter" idx="5"/>
+          </p:nvPr>
+        </p:nvSpPr>
+        <p:spPr/>
+        <p:txBody>
+          <a:bodyPr/>
+          <a:lstStyle/>
+          <a:p>
+            <a:fld id="{82869989-EB00-4EE7-BCB5-25BDC5BB29F8}" type="slidenum">
+              <a:rPr lang="pl-PL" smtClean="0"/>
+              <a:t>56</a:t>
+            </a:fld>
+            <a:endParaRPr lang="pl-PL" dirty="0"/>
+          </a:p>
+        </p:txBody>
+      </p:sp>
+    </p:spTree>
+    <p:extLst>
+      <p:ext uri="{BB962C8B-B14F-4D97-AF65-F5344CB8AC3E}">
+        <p14:creationId xmlns:p14="http://schemas.microsoft.com/office/powerpoint/2010/main" val="2387357523"/>
+      </p:ext>
+    </p:extLst>
+  </p:cSld>
+  <p:clrMapOvr>
+    <a:masterClrMapping/>
+  </p:clrMapOvr>
+</p:notes>
+</file>
+
+<file path=ppt/notesSlides/notesSlide6.xml><?xml version="1.0" encoding="utf-8"?>
+<p:notes xmlns:a="http://schemas.openxmlformats.org/drawingml/2006/main" xmlns:r="http://schemas.openxmlformats.org/officeDocument/2006/relationships" xmlns:p="http://schemas.openxmlformats.org/presentationml/2006/main">
+  <p:cSld>
+    <p:spTree>
+      <p:nvGrpSpPr>
+        <p:cNvPr id="1" name=""/>
+        <p:cNvGrpSpPr/>
+        <p:nvPr/>
+      </p:nvGrpSpPr>
+      <p:grpSpPr>
+        <a:xfrm>
+          <a:off x="0" y="0"/>
+          <a:ext cx="0" cy="0"/>
+          <a:chOff x="0" y="0"/>
+          <a:chExt cx="0" cy="0"/>
+        </a:xfrm>
+      </p:grpSpPr>
+      <p:sp>
+        <p:nvSpPr>
+          <p:cNvPr id="2" name="Symbol zastępczy obrazu slajdu 1"/>
+          <p:cNvSpPr>
+            <a:spLocks noGrp="1" noRot="1" noChangeAspect="1"/>
+          </p:cNvSpPr>
+          <p:nvPr>
+            <p:ph type="sldImg"/>
+          </p:nvPr>
+        </p:nvSpPr>
+        <p:spPr/>
+      </p:sp>
+      <p:sp>
+        <p:nvSpPr>
+          <p:cNvPr id="3" name="Symbol zastępczy notatek 2"/>
+          <p:cNvSpPr>
+            <a:spLocks noGrp="1"/>
+          </p:cNvSpPr>
+          <p:nvPr>
+            <p:ph type="body" idx="1"/>
+          </p:nvPr>
+        </p:nvSpPr>
+        <p:spPr/>
+        <p:txBody>
+          <a:bodyPr/>
+          <a:lstStyle/>
+          <a:p>
+            <a:endParaRPr lang="pl-PL"/>
+          </a:p>
+        </p:txBody>
+      </p:sp>
+      <p:sp>
+        <p:nvSpPr>
+          <p:cNvPr id="4" name="Symbol zastępczy numeru slajdu 3"/>
+          <p:cNvSpPr>
+            <a:spLocks noGrp="1"/>
+          </p:cNvSpPr>
+          <p:nvPr>
+            <p:ph type="sldNum" sz="quarter" idx="5"/>
+          </p:nvPr>
+        </p:nvSpPr>
+        <p:spPr/>
+        <p:txBody>
+          <a:bodyPr/>
+          <a:lstStyle/>
+          <a:p>
+            <a:fld id="{82869989-EB00-4EE7-BCB5-25BDC5BB29F8}" type="slidenum">
+              <a:rPr lang="pl-PL" smtClean="0"/>
+              <a:t>57</a:t>
+            </a:fld>
+            <a:endParaRPr lang="pl-PL" dirty="0"/>
+          </a:p>
+        </p:txBody>
+      </p:sp>
+    </p:spTree>
+    <p:extLst>
+      <p:ext uri="{BB962C8B-B14F-4D97-AF65-F5344CB8AC3E}">
+        <p14:creationId xmlns:p14="http://schemas.microsoft.com/office/powerpoint/2010/main" val="440621607"/>
+      </p:ext>
+    </p:extLst>
+  </p:cSld>
+  <p:clrMapOvr>
+    <a:masterClrMapping/>
+  </p:clrMapOvr>
+</p:notes>
 </file>
 
 <file path=ppt/slideLayouts/slideLayout1.xml><?xml version="1.0" encoding="utf-8"?>
@@ -2828,7 +3335,7 @@
           <a:p>
             <a:fld id="{384A29A4-78C8-47AB-BA06-22CB45938951}" type="datetime1">
               <a:rPr lang="pl-PL" smtClean="0"/>
-              <a:t>20.11.2019</a:t>
+              <a:t>22.11.2019</a:t>
             </a:fld>
             <a:endParaRPr lang="pl-PL" dirty="0"/>
           </a:p>
@@ -3020,7 +3527,7 @@
           <a:p>
             <a:fld id="{E1ED4ACF-2D82-46F2-A8E9-23963AA34E86}" type="datetime1">
               <a:rPr lang="pl-PL" smtClean="0"/>
-              <a:t>20.11.2019</a:t>
+              <a:t>22.11.2019</a:t>
             </a:fld>
             <a:endParaRPr lang="pl-PL" dirty="0"/>
           </a:p>
@@ -5570,7 +6077,7 @@
           <a:p>
             <a:fld id="{33B5CF7C-B333-48E1-A4A6-83A3C8B73AC0}" type="datetime1">
               <a:rPr lang="pl-PL" smtClean="0"/>
-              <a:t>20.11.2019</a:t>
+              <a:t>22.11.2019</a:t>
             </a:fld>
             <a:endParaRPr lang="pl-PL" dirty="0"/>
           </a:p>
@@ -6022,7 +6529,7 @@
           <a:p>
             <a:fld id="{AE320762-5CBF-4210-AB54-376B091119F8}" type="datetime1">
               <a:rPr lang="pl-PL" smtClean="0"/>
-              <a:t>20.11.2019</a:t>
+              <a:t>22.11.2019</a:t>
             </a:fld>
             <a:endParaRPr lang="pl-PL" dirty="0"/>
           </a:p>
@@ -6157,7 +6664,7 @@
           <a:p>
             <a:fld id="{7F0DB371-BF5F-4058-A212-1A908E4D2674}" type="datetime1">
               <a:rPr lang="pl-PL" smtClean="0"/>
-              <a:t>20.11.2019</a:t>
+              <a:t>22.11.2019</a:t>
             </a:fld>
             <a:endParaRPr lang="pl-PL" dirty="0"/>
           </a:p>
@@ -8087,7 +8594,7 @@
           <a:p>
             <a:fld id="{60A4083B-90AA-48CF-BAD5-00AA24D7F288}" type="datetime1">
               <a:rPr lang="pl-PL" smtClean="0"/>
-              <a:t>20.11.2019</a:t>
+              <a:t>22.11.2019</a:t>
             </a:fld>
             <a:endParaRPr lang="pl-PL" dirty="0"/>
           </a:p>
@@ -10334,7 +10841,7 @@
           <a:p>
             <a:fld id="{F5BAF629-ECA2-4CF3-B790-9D9BDED98269}" type="datetime1">
               <a:rPr lang="pl-PL" smtClean="0"/>
-              <a:t>20.11.2019</a:t>
+              <a:t>22.11.2019</a:t>
             </a:fld>
             <a:endParaRPr lang="pl-PL" dirty="0"/>
           </a:p>
@@ -14561,7 +15068,7 @@
           <a:p>
             <a:fld id="{B51B2453-8663-4C69-AF73-9FD7B1DEC5D0}" type="datetime1">
               <a:rPr lang="pl-PL" smtClean="0"/>
-              <a:t>20.11.2019</a:t>
+              <a:t>22.11.2019</a:t>
             </a:fld>
             <a:endParaRPr lang="pl-PL" dirty="0"/>
           </a:p>
@@ -22255,7 +22762,12 @@
             <p:ph type="title"/>
           </p:nvPr>
         </p:nvSpPr>
-        <p:spPr/>
+        <p:spPr>
+          <a:xfrm>
+            <a:off x="971550" y="0"/>
+            <a:ext cx="7200900" cy="1142385"/>
+          </a:xfrm>
+        </p:spPr>
         <p:txBody>
           <a:bodyPr>
             <a:normAutofit/>
@@ -22283,7 +22795,7 @@
         </p:nvSpPr>
         <p:spPr>
           <a:xfrm>
-            <a:off x="971550" y="1646239"/>
+            <a:off x="971550" y="1008676"/>
             <a:ext cx="7200900" cy="5078313"/>
           </a:xfrm>
           <a:prstGeom prst="rect">
@@ -22710,7 +23222,7 @@
         <p:spPr>
           <a:xfrm>
             <a:off x="971550" y="1646239"/>
-            <a:ext cx="7200900" cy="2308324"/>
+            <a:ext cx="7200900" cy="3139321"/>
           </a:xfrm>
           <a:prstGeom prst="rect">
             <a:avLst/>
@@ -22757,7 +23269,7 @@
             </a:br>
             <a:r>
               <a:rPr lang="pl-PL" dirty="0"/>
-              <a:t>Sumę + 1 należy wpisać w następnej linijce.</a:t>
+              <a:t>Sumę + 3 należy wpisać w następnej linijce.</a:t>
             </a:r>
             <a:br>
               <a:rPr lang="pl-PL" dirty="0"/>
@@ -22773,6 +23285,48 @@
               <a:rPr lang="pl-PL" dirty="0"/>
               <a:t>Na końcu w pliku powinno być 10 linijek</a:t>
             </a:r>
+            <a:br>
+              <a:rPr lang="pl-PL" dirty="0"/>
+            </a:br>
+            <a:br>
+              <a:rPr lang="pl-PL" dirty="0"/>
+            </a:br>
+            <a:r>
+              <a:rPr lang="pl-PL" dirty="0" err="1"/>
+              <a:t>File.ReadAllLines</a:t>
+            </a:r>
+            <a:r>
+              <a:rPr lang="pl-PL" dirty="0"/>
+              <a:t>(</a:t>
+            </a:r>
+            <a:r>
+              <a:rPr lang="pl-PL" dirty="0" err="1"/>
+              <a:t>path</a:t>
+            </a:r>
+            <a:r>
+              <a:rPr lang="pl-PL"/>
+              <a:t>);</a:t>
+            </a:r>
+            <a:br>
+              <a:rPr lang="pl-PL" dirty="0"/>
+            </a:br>
+            <a:r>
+              <a:rPr lang="en-US" dirty="0" err="1"/>
+              <a:t>File.AppendAllLines</a:t>
+            </a:r>
+            <a:r>
+              <a:rPr lang="en-US" dirty="0"/>
+              <a:t>(path, new List&lt;string&gt;() { </a:t>
+            </a:r>
+            <a:r>
+              <a:rPr lang="en-US" dirty="0" err="1"/>
+              <a:t>sum.ToString</a:t>
+            </a:r>
+            <a:r>
+              <a:rPr lang="en-US" dirty="0"/>
+              <a:t>() });</a:t>
+            </a:r>
+            <a:endParaRPr lang="pl-PL" dirty="0"/>
           </a:p>
         </p:txBody>
       </p:sp>
@@ -22874,7 +23428,19 @@
           <a:p>
             <a:r>
               <a:rPr lang="pl-PL" dirty="0"/>
-              <a:t>2. Stworzyć 5 wątków producentów, które będą dodawać liczby na kolekcję co 5 sekundy</a:t>
+              <a:t>2. Stworzyć 5 wątków producentów, które będą dodawać kolejne </a:t>
+            </a:r>
+            <a:r>
+              <a:rPr lang="pl-PL"/>
+              <a:t>liczby naturalne </a:t>
+            </a:r>
+            <a:r>
+              <a:rPr lang="pl-PL" dirty="0"/>
+              <a:t>na kolekcję co </a:t>
+            </a:r>
+            <a:r>
+              <a:rPr lang="pl-PL"/>
+              <a:t>5 sekund</a:t>
             </a:r>
             <a:br>
               <a:rPr lang="pl-PL" dirty="0"/>
@@ -22908,7 +23474,7 @@
           <a:p>
             <a:r>
               <a:rPr lang="pl-PL" dirty="0"/>
-              <a:t>Wątki powinny informować się o tym, kiedy elementy na liście są dostępne.</a:t>
+              <a:t>Wątki powinny informować się o tym, kiedy elementy w kolekcji są dostępne.</a:t>
             </a:r>
           </a:p>
         </p:txBody>
@@ -24069,8 +24635,13 @@
           <a:p>
             <a:r>
               <a:rPr lang="pl-PL" dirty="0"/>
-              <a:t>Zadania</a:t>
-            </a:r>
+              <a:t>Zadania - </a:t>
+            </a:r>
+            <a:r>
+              <a:rPr lang="pl-PL" dirty="0" err="1"/>
+              <a:t>Async</a:t>
+            </a:r>
+            <a:endParaRPr lang="pl-PL" dirty="0"/>
           </a:p>
         </p:txBody>
       </p:sp>
@@ -24089,7 +24660,7 @@
         <p:spPr>
           <a:xfrm>
             <a:off x="971550" y="1646239"/>
-            <a:ext cx="7200900" cy="2031325"/>
+            <a:ext cx="7200900" cy="4031873"/>
           </a:xfrm>
           <a:prstGeom prst="rect">
             <a:avLst/>
@@ -24104,15 +24675,7 @@
           <a:p>
             <a:r>
               <a:rPr lang="pl-PL" dirty="0"/>
-              <a:t>Napisać asynchroniczne </a:t>
-            </a:r>
-            <a:r>
-              <a:rPr lang="pl-PL" dirty="0" err="1"/>
-              <a:t>thread-safe</a:t>
-            </a:r>
-            <a:r>
-              <a:rPr lang="pl-PL" dirty="0"/>
-              <a:t> </a:t>
+              <a:t>1. Napisać asynchroniczne </a:t>
             </a:r>
             <a:r>
               <a:rPr lang="pl-PL" dirty="0" err="1"/>
@@ -24168,13 +24731,90 @@
             </a:r>
             <a:r>
               <a:rPr lang="pl-PL" dirty="0" err="1"/>
-              <a:t>GetByName</a:t>
+              <a:t>GetByNameAsync</a:t>
             </a:r>
             <a:r>
               <a:rPr lang="pl-PL" dirty="0"/>
-              <a:t>, które pozwoli nam odszukać „produkt” w pliku po nazwie.</a:t>
-            </a:r>
+              <a:t>, które pozwoli nam odszukać produkt w pliku po nazwie. Jeśli nazwa w pliku istnieje zwraca produkt. Jeśli nie, to zwraca </a:t>
+            </a:r>
+            <a:r>
+              <a:rPr lang="pl-PL" dirty="0" err="1"/>
+              <a:t>null</a:t>
+            </a:r>
+            <a:r>
+              <a:rPr lang="pl-PL" dirty="0"/>
+              <a:t>.</a:t>
+            </a:r>
+          </a:p>
+          <a:p>
             <a:endParaRPr lang="pl-PL" sz="1600" dirty="0"/>
+          </a:p>
+          <a:p>
+            <a:r>
+              <a:rPr lang="pl-PL" sz="1600" dirty="0"/>
+              <a:t>2. Napisać kod, który wykorzystuje </a:t>
+            </a:r>
+            <a:r>
+              <a:rPr lang="pl-PL" sz="1600" dirty="0" err="1"/>
+              <a:t>AsyncProductRepository</a:t>
+            </a:r>
+            <a:r>
+              <a:rPr lang="pl-PL" sz="1600" dirty="0"/>
+              <a:t>.</a:t>
+            </a:r>
+            <a:br>
+              <a:rPr lang="pl-PL" sz="1600" dirty="0"/>
+            </a:br>
+            <a:r>
+              <a:rPr lang="pl-PL" sz="1600" dirty="0"/>
+              <a:t>Stworzyć 5 </a:t>
+            </a:r>
+            <a:r>
+              <a:rPr lang="pl-PL" sz="1600" dirty="0" err="1"/>
+              <a:t>tasków</a:t>
+            </a:r>
+            <a:r>
+              <a:rPr lang="pl-PL" sz="1600" dirty="0"/>
+              <a:t> jednocześnie, które będą próbować dodać produkt o nazwie „Produkt” + </a:t>
+            </a:r>
+            <a:r>
+              <a:rPr lang="pl-PL" sz="1600" dirty="0" err="1"/>
+              <a:t>iterator</a:t>
+            </a:r>
+            <a:r>
+              <a:rPr lang="pl-PL" sz="1600" dirty="0"/>
+              <a:t>.</a:t>
+            </a:r>
+            <a:br>
+              <a:rPr lang="pl-PL" sz="1600" dirty="0"/>
+            </a:br>
+            <a:r>
+              <a:rPr lang="pl-PL" sz="1600" dirty="0"/>
+              <a:t>Upewnić się, że wszystkie się wykonały i wtedy:</a:t>
+            </a:r>
+            <a:br>
+              <a:rPr lang="pl-PL" sz="1600" dirty="0"/>
+            </a:br>
+            <a:r>
+              <a:rPr lang="pl-PL" sz="1600" dirty="0"/>
+              <a:t>Stworzyć 5 </a:t>
+            </a:r>
+            <a:r>
+              <a:rPr lang="pl-PL" sz="1600" dirty="0" err="1"/>
+              <a:t>tasków</a:t>
+            </a:r>
+            <a:r>
+              <a:rPr lang="pl-PL" sz="1600" dirty="0"/>
+              <a:t> jednocześnie, które będą próbowały odszukać produkt o nazwie „Produkt” + </a:t>
+            </a:r>
+            <a:r>
+              <a:rPr lang="pl-PL" sz="1600" dirty="0" err="1"/>
+              <a:t>iterator</a:t>
+            </a:r>
+            <a:r>
+              <a:rPr lang="pl-PL" sz="1600" dirty="0"/>
+              <a:t>.</a:t>
+            </a:r>
           </a:p>
         </p:txBody>
       </p:sp>
@@ -26065,6 +26705,593 @@
     <p:extLst>
       <p:ext uri="{BB962C8B-B14F-4D97-AF65-F5344CB8AC3E}">
         <p14:creationId xmlns:p14="http://schemas.microsoft.com/office/powerpoint/2010/main" val="2077196582"/>
+      </p:ext>
+    </p:extLst>
+  </p:cSld>
+  <p:clrMapOvr>
+    <a:masterClrMapping/>
+  </p:clrMapOvr>
+  <mc:AlternateContent xmlns:mc="http://schemas.openxmlformats.org/markup-compatibility/2006" xmlns:p14="http://schemas.microsoft.com/office/powerpoint/2010/main">
+    <mc:Choice Requires="p14">
+      <p:transition p14:dur="10"/>
+    </mc:Choice>
+    <mc:Fallback xmlns="">
+      <p:transition/>
+    </mc:Fallback>
+  </mc:AlternateContent>
+</p:sld>
+</file>
+
+<file path=ppt/slides/slide64.xml><?xml version="1.0" encoding="utf-8"?>
+<p:sld xmlns:a="http://schemas.openxmlformats.org/drawingml/2006/main" xmlns:r="http://schemas.openxmlformats.org/officeDocument/2006/relationships" xmlns:p="http://schemas.openxmlformats.org/presentationml/2006/main">
+  <p:cSld>
+    <p:spTree>
+      <p:nvGrpSpPr>
+        <p:cNvPr id="1" name=""/>
+        <p:cNvGrpSpPr/>
+        <p:nvPr/>
+      </p:nvGrpSpPr>
+      <p:grpSpPr>
+        <a:xfrm>
+          <a:off x="0" y="0"/>
+          <a:ext cx="0" cy="0"/>
+          <a:chOff x="0" y="0"/>
+          <a:chExt cx="0" cy="0"/>
+        </a:xfrm>
+      </p:grpSpPr>
+      <p:sp>
+        <p:nvSpPr>
+          <p:cNvPr id="2" name="Tytuł 1">
+            <a:extLst>
+              <a:ext uri="{FF2B5EF4-FFF2-40B4-BE49-F238E27FC236}">
+                <a16:creationId xmlns:a16="http://schemas.microsoft.com/office/drawing/2014/main" id="{8D451792-E095-4511-9331-6D81A2C466BB}"/>
+              </a:ext>
+            </a:extLst>
+          </p:cNvPr>
+          <p:cNvSpPr>
+            <a:spLocks noGrp="1"/>
+          </p:cNvSpPr>
+          <p:nvPr>
+            <p:ph type="title"/>
+          </p:nvPr>
+        </p:nvSpPr>
+        <p:spPr/>
+        <p:txBody>
+          <a:bodyPr>
+            <a:normAutofit/>
+          </a:bodyPr>
+          <a:lstStyle/>
+          <a:p>
+            <a:r>
+              <a:rPr lang="pl-PL" dirty="0"/>
+              <a:t>Zadania do testów</a:t>
+            </a:r>
+          </a:p>
+        </p:txBody>
+      </p:sp>
+      <p:sp>
+        <p:nvSpPr>
+          <p:cNvPr id="4" name="pole tekstowe 3">
+            <a:extLst>
+              <a:ext uri="{FF2B5EF4-FFF2-40B4-BE49-F238E27FC236}">
+                <a16:creationId xmlns:a16="http://schemas.microsoft.com/office/drawing/2014/main" id="{91314DA2-FE92-4513-A6E7-4804162653D8}"/>
+              </a:ext>
+            </a:extLst>
+          </p:cNvPr>
+          <p:cNvSpPr txBox="1"/>
+          <p:nvPr/>
+        </p:nvSpPr>
+        <p:spPr>
+          <a:xfrm>
+            <a:off x="971550" y="1646239"/>
+            <a:ext cx="7200900" cy="3785652"/>
+          </a:xfrm>
+          <a:prstGeom prst="rect">
+            <a:avLst/>
+          </a:prstGeom>
+          <a:noFill/>
+        </p:spPr>
+        <p:txBody>
+          <a:bodyPr wrap="square" rtlCol="0">
+            <a:spAutoFit/>
+          </a:bodyPr>
+          <a:lstStyle/>
+          <a:p>
+            <a:r>
+              <a:rPr lang="pl-PL" sz="1600" dirty="0"/>
+              <a:t>Dodać bibliotekę </a:t>
+            </a:r>
+            <a:r>
+              <a:rPr lang="pl-PL" sz="1600" dirty="0" err="1"/>
+              <a:t>UnitTestProject</a:t>
+            </a:r>
+            <a:r>
+              <a:rPr lang="pl-PL" sz="1600" dirty="0"/>
+              <a:t> o nazwie „</a:t>
+            </a:r>
+            <a:r>
+              <a:rPr lang="pl-PL" sz="1600" dirty="0" err="1"/>
+              <a:t>DotNetAdvanced.Plinq.Tests</a:t>
+            </a:r>
+            <a:r>
+              <a:rPr lang="pl-PL" sz="1600" dirty="0"/>
+              <a:t>”.</a:t>
+            </a:r>
+            <a:br>
+              <a:rPr lang="pl-PL" sz="1600" dirty="0"/>
+            </a:br>
+            <a:r>
+              <a:rPr lang="pl-PL" sz="1600" dirty="0"/>
+              <a:t>Do biblioteki dodać </a:t>
+            </a:r>
+            <a:r>
+              <a:rPr lang="pl-PL" sz="1600" dirty="0" err="1"/>
+              <a:t>Nugetowe</a:t>
+            </a:r>
+            <a:r>
+              <a:rPr lang="pl-PL" sz="1600" dirty="0"/>
+              <a:t> paczki:</a:t>
+            </a:r>
+            <a:br>
+              <a:rPr lang="pl-PL" sz="1600" dirty="0"/>
+            </a:br>
+            <a:r>
+              <a:rPr lang="pl-PL" sz="1600" dirty="0" err="1"/>
+              <a:t>xUnit</a:t>
+            </a:r>
+            <a:endParaRPr lang="pl-PL" sz="1600" dirty="0"/>
+          </a:p>
+          <a:p>
+            <a:r>
+              <a:rPr lang="pl-PL" sz="1600" dirty="0" err="1"/>
+              <a:t>xUnit.runner.visualstudio</a:t>
+            </a:r>
+            <a:endParaRPr lang="pl-PL" sz="1600" dirty="0"/>
+          </a:p>
+          <a:p>
+            <a:r>
+              <a:rPr lang="pl-PL" sz="1600" dirty="0" err="1"/>
+              <a:t>FluentAssertions</a:t>
+            </a:r>
+            <a:br>
+              <a:rPr lang="pl-PL" sz="1600" dirty="0"/>
+            </a:br>
+            <a:br>
+              <a:rPr lang="pl-PL" sz="1600" dirty="0"/>
+            </a:br>
+            <a:r>
+              <a:rPr lang="pl-PL" sz="1600" dirty="0"/>
+              <a:t>W tej bibliotece dodać klasę </a:t>
+            </a:r>
+            <a:r>
+              <a:rPr lang="pl-PL" sz="1600" dirty="0" err="1"/>
+              <a:t>StandardDeviationTests</a:t>
+            </a:r>
+            <a:endParaRPr lang="pl-PL" sz="1600" dirty="0"/>
+          </a:p>
+          <a:p>
+            <a:endParaRPr lang="pl-PL" sz="1600" dirty="0"/>
+          </a:p>
+          <a:p>
+            <a:r>
+              <a:rPr lang="pl-PL" sz="1600" dirty="0"/>
+              <a:t>Napisać testy metody </a:t>
+            </a:r>
+            <a:r>
+              <a:rPr lang="pl-PL" sz="1600" dirty="0" err="1"/>
+              <a:t>Calculate</a:t>
+            </a:r>
+            <a:r>
+              <a:rPr lang="pl-PL" sz="1600" dirty="0"/>
+              <a:t> w klasie </a:t>
+            </a:r>
+            <a:r>
+              <a:rPr lang="pl-PL" sz="1600" dirty="0" err="1"/>
+              <a:t>StandardDeviation</a:t>
+            </a:r>
+            <a:r>
+              <a:rPr lang="pl-PL" sz="1600" dirty="0"/>
+              <a:t>:</a:t>
+            </a:r>
+          </a:p>
+          <a:p>
+            <a:r>
+              <a:rPr lang="pl-PL" sz="1600" dirty="0"/>
+              <a:t>1. Test prawidłowy - określone liczby na kolekcji, zwracają określony wynik</a:t>
+            </a:r>
+          </a:p>
+          <a:p>
+            <a:r>
+              <a:rPr lang="pl-PL" sz="1600" dirty="0"/>
+              <a:t>2. Test pustej kolekcji</a:t>
+            </a:r>
+          </a:p>
+          <a:p>
+            <a:r>
+              <a:rPr lang="pl-PL" sz="1600" dirty="0"/>
+              <a:t>3. Test kolekcji, która jest </a:t>
+            </a:r>
+            <a:r>
+              <a:rPr lang="pl-PL" sz="1600" dirty="0" err="1"/>
+              <a:t>nullem</a:t>
+            </a:r>
+            <a:endParaRPr lang="pl-PL" sz="1600" dirty="0"/>
+          </a:p>
+          <a:p>
+            <a:r>
+              <a:rPr lang="pl-PL" sz="1600" dirty="0"/>
+              <a:t>4. Test samych zer</a:t>
+            </a:r>
+          </a:p>
+          <a:p>
+            <a:r>
+              <a:rPr lang="pl-PL" sz="1600" dirty="0"/>
+              <a:t>5. Test minimalnych </a:t>
+            </a:r>
+            <a:r>
+              <a:rPr lang="pl-PL" sz="1600" dirty="0" err="1"/>
+              <a:t>intów</a:t>
+            </a:r>
+            <a:r>
+              <a:rPr lang="pl-PL" sz="1600" dirty="0"/>
+              <a:t> i maksymalnych </a:t>
+            </a:r>
+            <a:r>
+              <a:rPr lang="pl-PL" sz="1600" dirty="0" err="1"/>
+              <a:t>intów</a:t>
+            </a:r>
+            <a:r>
+              <a:rPr lang="pl-PL" sz="1600" dirty="0"/>
+              <a:t> na zmianę (np. 5 takich i 5 takich na liście)</a:t>
+            </a:r>
+            <a:endParaRPr lang="pl-PL" sz="1400" i="1" dirty="0"/>
+          </a:p>
+        </p:txBody>
+      </p:sp>
+    </p:spTree>
+    <p:extLst>
+      <p:ext uri="{BB962C8B-B14F-4D97-AF65-F5344CB8AC3E}">
+        <p14:creationId xmlns:p14="http://schemas.microsoft.com/office/powerpoint/2010/main" val="274169975"/>
+      </p:ext>
+    </p:extLst>
+  </p:cSld>
+  <p:clrMapOvr>
+    <a:masterClrMapping/>
+  </p:clrMapOvr>
+  <mc:AlternateContent xmlns:mc="http://schemas.openxmlformats.org/markup-compatibility/2006" xmlns:p14="http://schemas.microsoft.com/office/powerpoint/2010/main">
+    <mc:Choice Requires="p14">
+      <p:transition p14:dur="10"/>
+    </mc:Choice>
+    <mc:Fallback xmlns="">
+      <p:transition/>
+    </mc:Fallback>
+  </mc:AlternateContent>
+</p:sld>
+</file>
+
+<file path=ppt/slides/slide65.xml><?xml version="1.0" encoding="utf-8"?>
+<p:sld xmlns:a="http://schemas.openxmlformats.org/drawingml/2006/main" xmlns:r="http://schemas.openxmlformats.org/officeDocument/2006/relationships" xmlns:p="http://schemas.openxmlformats.org/presentationml/2006/main">
+  <p:cSld>
+    <p:spTree>
+      <p:nvGrpSpPr>
+        <p:cNvPr id="1" name=""/>
+        <p:cNvGrpSpPr/>
+        <p:nvPr/>
+      </p:nvGrpSpPr>
+      <p:grpSpPr>
+        <a:xfrm>
+          <a:off x="0" y="0"/>
+          <a:ext cx="0" cy="0"/>
+          <a:chOff x="0" y="0"/>
+          <a:chExt cx="0" cy="0"/>
+        </a:xfrm>
+      </p:grpSpPr>
+      <p:sp>
+        <p:nvSpPr>
+          <p:cNvPr id="2" name="Tytuł 1">
+            <a:extLst>
+              <a:ext uri="{FF2B5EF4-FFF2-40B4-BE49-F238E27FC236}">
+                <a16:creationId xmlns:a16="http://schemas.microsoft.com/office/drawing/2014/main" id="{81DAD772-8A51-4779-98B2-027A51EB3A1A}"/>
+              </a:ext>
+            </a:extLst>
+          </p:cNvPr>
+          <p:cNvSpPr>
+            <a:spLocks noGrp="1"/>
+          </p:cNvSpPr>
+          <p:nvPr>
+            <p:ph type="title"/>
+          </p:nvPr>
+        </p:nvSpPr>
+        <p:spPr/>
+        <p:txBody>
+          <a:bodyPr/>
+          <a:lstStyle/>
+          <a:p>
+            <a:r>
+              <a:rPr lang="pl-PL" dirty="0" err="1"/>
+              <a:t>RabbitMq</a:t>
+            </a:r>
+            <a:endParaRPr lang="pl-PL" dirty="0"/>
+          </a:p>
+        </p:txBody>
+      </p:sp>
+      <p:sp>
+        <p:nvSpPr>
+          <p:cNvPr id="3" name="Symbol zastępczy tekstu 2">
+            <a:extLst>
+              <a:ext uri="{FF2B5EF4-FFF2-40B4-BE49-F238E27FC236}">
+                <a16:creationId xmlns:a16="http://schemas.microsoft.com/office/drawing/2014/main" id="{C3FB561F-4F60-4BDD-B018-B0862A5E5E5A}"/>
+              </a:ext>
+            </a:extLst>
+          </p:cNvPr>
+          <p:cNvSpPr>
+            <a:spLocks noGrp="1"/>
+          </p:cNvSpPr>
+          <p:nvPr>
+            <p:ph type="body" idx="1"/>
+          </p:nvPr>
+        </p:nvSpPr>
+        <p:spPr/>
+        <p:txBody>
+          <a:bodyPr/>
+          <a:lstStyle/>
+          <a:p>
+            <a:endParaRPr lang="pl-PL"/>
+          </a:p>
+        </p:txBody>
+      </p:sp>
+    </p:spTree>
+    <p:extLst>
+      <p:ext uri="{BB962C8B-B14F-4D97-AF65-F5344CB8AC3E}">
+        <p14:creationId xmlns:p14="http://schemas.microsoft.com/office/powerpoint/2010/main" val="2142109756"/>
+      </p:ext>
+    </p:extLst>
+  </p:cSld>
+  <p:clrMapOvr>
+    <a:masterClrMapping/>
+  </p:clrMapOvr>
+  <mc:AlternateContent xmlns:mc="http://schemas.openxmlformats.org/markup-compatibility/2006" xmlns:p14="http://schemas.microsoft.com/office/powerpoint/2010/main">
+    <mc:Choice Requires="p14">
+      <p:transition spd="med" p14:dur="700">
+        <p:fade/>
+      </p:transition>
+    </mc:Choice>
+    <mc:Fallback xmlns="">
+      <p:transition spd="med">
+        <p:fade/>
+      </p:transition>
+    </mc:Fallback>
+  </mc:AlternateContent>
+</p:sld>
+</file>
+
+<file path=ppt/slides/slide66.xml><?xml version="1.0" encoding="utf-8"?>
+<p:sld xmlns:a="http://schemas.openxmlformats.org/drawingml/2006/main" xmlns:r="http://schemas.openxmlformats.org/officeDocument/2006/relationships" xmlns:p="http://schemas.openxmlformats.org/presentationml/2006/main">
+  <p:cSld>
+    <p:spTree>
+      <p:nvGrpSpPr>
+        <p:cNvPr id="1" name=""/>
+        <p:cNvGrpSpPr/>
+        <p:nvPr/>
+      </p:nvGrpSpPr>
+      <p:grpSpPr>
+        <a:xfrm>
+          <a:off x="0" y="0"/>
+          <a:ext cx="0" cy="0"/>
+          <a:chOff x="0" y="0"/>
+          <a:chExt cx="0" cy="0"/>
+        </a:xfrm>
+      </p:grpSpPr>
+      <p:sp>
+        <p:nvSpPr>
+          <p:cNvPr id="2" name="Tytuł 1">
+            <a:extLst>
+              <a:ext uri="{FF2B5EF4-FFF2-40B4-BE49-F238E27FC236}">
+                <a16:creationId xmlns:a16="http://schemas.microsoft.com/office/drawing/2014/main" id="{8D451792-E095-4511-9331-6D81A2C466BB}"/>
+              </a:ext>
+            </a:extLst>
+          </p:cNvPr>
+          <p:cNvSpPr>
+            <a:spLocks noGrp="1"/>
+          </p:cNvSpPr>
+          <p:nvPr>
+            <p:ph type="title"/>
+          </p:nvPr>
+        </p:nvSpPr>
+        <p:spPr/>
+        <p:txBody>
+          <a:bodyPr>
+            <a:normAutofit/>
+          </a:bodyPr>
+          <a:lstStyle/>
+          <a:p>
+            <a:r>
+              <a:rPr lang="pl-PL" dirty="0"/>
+              <a:t>Wymagania</a:t>
+            </a:r>
+          </a:p>
+        </p:txBody>
+      </p:sp>
+      <p:sp>
+        <p:nvSpPr>
+          <p:cNvPr id="4" name="pole tekstowe 3">
+            <a:extLst>
+              <a:ext uri="{FF2B5EF4-FFF2-40B4-BE49-F238E27FC236}">
+                <a16:creationId xmlns:a16="http://schemas.microsoft.com/office/drawing/2014/main" id="{91314DA2-FE92-4513-A6E7-4804162653D8}"/>
+              </a:ext>
+            </a:extLst>
+          </p:cNvPr>
+          <p:cNvSpPr txBox="1"/>
+          <p:nvPr/>
+        </p:nvSpPr>
+        <p:spPr>
+          <a:xfrm>
+            <a:off x="971550" y="1646239"/>
+            <a:ext cx="7200900" cy="4524315"/>
+          </a:xfrm>
+          <a:prstGeom prst="rect">
+            <a:avLst/>
+          </a:prstGeom>
+          <a:noFill/>
+        </p:spPr>
+        <p:txBody>
+          <a:bodyPr wrap="square" rtlCol="0">
+            <a:spAutoFit/>
+          </a:bodyPr>
+          <a:lstStyle/>
+          <a:p>
+            <a:r>
+              <a:rPr lang="pl-PL" sz="1600" dirty="0"/>
+              <a:t>Zainstalować Erlang w wersji zgodnej z wersją </a:t>
+            </a:r>
+            <a:r>
+              <a:rPr lang="pl-PL" sz="1600" dirty="0" err="1"/>
+              <a:t>Rabbita</a:t>
+            </a:r>
+            <a:r>
+              <a:rPr lang="pl-PL" sz="1600" dirty="0"/>
+              <a:t>, którą chcemy zainstalować:</a:t>
+            </a:r>
+            <a:br>
+              <a:rPr lang="pl-PL" sz="1600" dirty="0"/>
+            </a:br>
+            <a:r>
+              <a:rPr lang="pl-PL" sz="1600" dirty="0">
+                <a:hlinkClick r:id="rId2"/>
+              </a:rPr>
+              <a:t>https://www.rabbitmq.com/which-erlang.html</a:t>
+            </a:r>
+            <a:endParaRPr lang="pl-PL" sz="1600" dirty="0"/>
+          </a:p>
+          <a:p>
+            <a:br>
+              <a:rPr lang="pl-PL" sz="1600" dirty="0"/>
+            </a:br>
+            <a:r>
+              <a:rPr lang="pl-PL" sz="1600" dirty="0"/>
+              <a:t>Zainstalować </a:t>
+            </a:r>
+            <a:r>
+              <a:rPr lang="pl-PL" sz="1600" dirty="0" err="1"/>
+              <a:t>RabbitMQ</a:t>
+            </a:r>
+            <a:endParaRPr lang="pl-PL" sz="1600" dirty="0"/>
+          </a:p>
+          <a:p>
+            <a:endParaRPr lang="pl-PL" sz="1600" dirty="0"/>
+          </a:p>
+          <a:p>
+            <a:r>
+              <a:rPr lang="pl-PL" sz="1600" dirty="0"/>
+              <a:t>Zainstalować Management </a:t>
+            </a:r>
+            <a:r>
+              <a:rPr lang="pl-PL" sz="1600" dirty="0" err="1"/>
+              <a:t>Plugin</a:t>
+            </a:r>
+            <a:r>
+              <a:rPr lang="pl-PL" sz="1600" dirty="0"/>
+              <a:t>:</a:t>
+            </a:r>
+          </a:p>
+          <a:p>
+            <a:r>
+              <a:rPr lang="pl-PL" sz="1600" dirty="0">
+                <a:hlinkClick r:id="rId3"/>
+              </a:rPr>
+              <a:t>http://coderjony.com/blogs/how-to-enable-rabbitmq-management-plugin-in-windows/</a:t>
+            </a:r>
+            <a:endParaRPr lang="pl-PL" sz="1600" dirty="0"/>
+          </a:p>
+          <a:p>
+            <a:endParaRPr lang="pl-PL" sz="1600" dirty="0"/>
+          </a:p>
+          <a:p>
+            <a:r>
+              <a:rPr lang="pl-PL" sz="1600" dirty="0"/>
+              <a:t>Pod adresem </a:t>
+            </a:r>
+            <a:r>
+              <a:rPr lang="pl-PL" sz="1600" dirty="0">
+                <a:hlinkClick r:id="rId4"/>
+              </a:rPr>
+              <a:t>http://localhost:15672/</a:t>
+            </a:r>
+            <a:r>
+              <a:rPr lang="pl-PL" sz="1600" dirty="0"/>
+              <a:t> jest dostępny panel administracyjny </a:t>
+            </a:r>
+            <a:r>
+              <a:rPr lang="pl-PL" sz="1600" dirty="0" err="1"/>
+              <a:t>RabbitMQ</a:t>
+            </a:r>
+            <a:r>
+              <a:rPr lang="pl-PL" sz="1600" dirty="0"/>
+              <a:t>.</a:t>
+            </a:r>
+            <a:br>
+              <a:rPr lang="pl-PL" sz="1600" dirty="0"/>
+            </a:br>
+            <a:r>
+              <a:rPr lang="pl-PL" sz="1600" dirty="0"/>
+              <a:t>Domyślne hasło to:</a:t>
+            </a:r>
+          </a:p>
+          <a:p>
+            <a:r>
+              <a:rPr lang="pl-PL" sz="1600" dirty="0"/>
+              <a:t>U: </a:t>
+            </a:r>
+            <a:r>
+              <a:rPr lang="pl-PL" sz="1600" dirty="0" err="1"/>
+              <a:t>guest</a:t>
+            </a:r>
+            <a:endParaRPr lang="pl-PL" sz="1600" dirty="0"/>
+          </a:p>
+          <a:p>
+            <a:r>
+              <a:rPr lang="pl-PL" sz="1600" dirty="0"/>
+              <a:t>P: </a:t>
+            </a:r>
+            <a:r>
+              <a:rPr lang="pl-PL" sz="1600" dirty="0" err="1"/>
+              <a:t>guest</a:t>
+            </a:r>
+            <a:endParaRPr lang="pl-PL" sz="1600" dirty="0"/>
+          </a:p>
+          <a:p>
+            <a:endParaRPr lang="pl-PL" sz="1600" dirty="0"/>
+          </a:p>
+          <a:p>
+            <a:r>
+              <a:rPr lang="pl-PL" sz="1600" dirty="0"/>
+              <a:t>Dokumentacja </a:t>
+            </a:r>
+            <a:r>
+              <a:rPr lang="pl-PL" sz="1600" dirty="0" err="1"/>
+              <a:t>RabbitMQ</a:t>
+            </a:r>
+            <a:r>
+              <a:rPr lang="pl-PL" sz="1600" dirty="0"/>
+              <a:t> jest naprawdę przyzwoita:</a:t>
+            </a:r>
+            <a:br>
+              <a:rPr lang="pl-PL" sz="1600" dirty="0"/>
+            </a:br>
+            <a:r>
+              <a:rPr lang="pl-PL" sz="1600" dirty="0">
+                <a:hlinkClick r:id="rId5"/>
+              </a:rPr>
+              <a:t>https://www.rabbitmq.com/getstarted.html</a:t>
+            </a:r>
+            <a:endParaRPr lang="pl-PL" sz="1600" dirty="0"/>
+          </a:p>
+        </p:txBody>
+      </p:sp>
+    </p:spTree>
+    <p:extLst>
+      <p:ext uri="{BB962C8B-B14F-4D97-AF65-F5344CB8AC3E}">
+        <p14:creationId xmlns:p14="http://schemas.microsoft.com/office/powerpoint/2010/main" val="1273195895"/>
       </p:ext>
     </p:extLst>
   </p:cSld>
